--- a/Лекции/2/Анализ данных систем мониторинга.pptx
+++ b/Лекции/2/Анализ данных систем мониторинга.pptx
@@ -24,7 +24,7 @@
     <p:sldId id="339" r:id="rId15"/>
     <p:sldId id="340" r:id="rId16"/>
     <p:sldId id="341" r:id="rId17"/>
-    <p:sldId id="266" r:id="rId18"/>
+    <p:sldId id="355" r:id="rId18"/>
     <p:sldId id="342" r:id="rId19"/>
     <p:sldId id="343" r:id="rId20"/>
     <p:sldId id="344" r:id="rId21"/>
@@ -18160,7 +18160,7 @@
           <a:p>
             <a:fld id="{07467A74-FEEF-45B0-ABD3-14EA22804807}" type="datetimeFigureOut">
               <a:rPr lang="ru-RU" smtClean="0"/>
-              <a:t>02.10.2023</a:t>
+              <a:t>23.01.2024</a:t>
             </a:fld>
             <a:endParaRPr lang="ru-RU"/>
           </a:p>
@@ -19080,7 +19080,7 @@
           <a:p>
             <a:fld id="{5E9A7E3A-ADC7-4226-B3BF-DCB7408A146C}" type="slidenum">
               <a:rPr lang="ru-RU" smtClean="0"/>
-              <a:t>18</a:t>
+              <a:t>17</a:t>
             </a:fld>
             <a:endParaRPr lang="ru-RU"/>
           </a:p>
@@ -19089,7 +19089,7 @@
     </p:spTree>
     <p:extLst>
       <p:ext uri="{BB962C8B-B14F-4D97-AF65-F5344CB8AC3E}">
-        <p14:creationId xmlns:p14="http://schemas.microsoft.com/office/powerpoint/2010/main" val="2949594929"/>
+        <p14:creationId xmlns:p14="http://schemas.microsoft.com/office/powerpoint/2010/main" val="1623115355"/>
       </p:ext>
     </p:extLst>
   </p:cSld>
@@ -19164,7 +19164,7 @@
           <a:p>
             <a:fld id="{5E9A7E3A-ADC7-4226-B3BF-DCB7408A146C}" type="slidenum">
               <a:rPr lang="ru-RU" smtClean="0"/>
-              <a:t>19</a:t>
+              <a:t>18</a:t>
             </a:fld>
             <a:endParaRPr lang="ru-RU"/>
           </a:p>
@@ -19173,7 +19173,7 @@
     </p:spTree>
     <p:extLst>
       <p:ext uri="{BB962C8B-B14F-4D97-AF65-F5344CB8AC3E}">
-        <p14:creationId xmlns:p14="http://schemas.microsoft.com/office/powerpoint/2010/main" val="4214911024"/>
+        <p14:creationId xmlns:p14="http://schemas.microsoft.com/office/powerpoint/2010/main" val="2949594929"/>
       </p:ext>
     </p:extLst>
   </p:cSld>
@@ -19248,7 +19248,7 @@
           <a:p>
             <a:fld id="{5E9A7E3A-ADC7-4226-B3BF-DCB7408A146C}" type="slidenum">
               <a:rPr lang="ru-RU" smtClean="0"/>
-              <a:t>20</a:t>
+              <a:t>19</a:t>
             </a:fld>
             <a:endParaRPr lang="ru-RU"/>
           </a:p>
@@ -19257,7 +19257,7 @@
     </p:spTree>
     <p:extLst>
       <p:ext uri="{BB962C8B-B14F-4D97-AF65-F5344CB8AC3E}">
-        <p14:creationId xmlns:p14="http://schemas.microsoft.com/office/powerpoint/2010/main" val="2129009100"/>
+        <p14:creationId xmlns:p14="http://schemas.microsoft.com/office/powerpoint/2010/main" val="4214911024"/>
       </p:ext>
     </p:extLst>
   </p:cSld>
@@ -19332,7 +19332,7 @@
           <a:p>
             <a:fld id="{5E9A7E3A-ADC7-4226-B3BF-DCB7408A146C}" type="slidenum">
               <a:rPr lang="ru-RU" smtClean="0"/>
-              <a:t>21</a:t>
+              <a:t>20</a:t>
             </a:fld>
             <a:endParaRPr lang="ru-RU"/>
           </a:p>
@@ -19341,7 +19341,7 @@
     </p:spTree>
     <p:extLst>
       <p:ext uri="{BB962C8B-B14F-4D97-AF65-F5344CB8AC3E}">
-        <p14:creationId xmlns:p14="http://schemas.microsoft.com/office/powerpoint/2010/main" val="1087366209"/>
+        <p14:creationId xmlns:p14="http://schemas.microsoft.com/office/powerpoint/2010/main" val="2129009100"/>
       </p:ext>
     </p:extLst>
   </p:cSld>
@@ -19500,7 +19500,7 @@
           <a:p>
             <a:fld id="{5E9A7E3A-ADC7-4226-B3BF-DCB7408A146C}" type="slidenum">
               <a:rPr lang="ru-RU" smtClean="0"/>
-              <a:t>22</a:t>
+              <a:t>21</a:t>
             </a:fld>
             <a:endParaRPr lang="ru-RU"/>
           </a:p>
@@ -19509,7 +19509,7 @@
     </p:spTree>
     <p:extLst>
       <p:ext uri="{BB962C8B-B14F-4D97-AF65-F5344CB8AC3E}">
-        <p14:creationId xmlns:p14="http://schemas.microsoft.com/office/powerpoint/2010/main" val="3984265228"/>
+        <p14:creationId xmlns:p14="http://schemas.microsoft.com/office/powerpoint/2010/main" val="1087366209"/>
       </p:ext>
     </p:extLst>
   </p:cSld>
@@ -19584,7 +19584,7 @@
           <a:p>
             <a:fld id="{5E9A7E3A-ADC7-4226-B3BF-DCB7408A146C}" type="slidenum">
               <a:rPr lang="ru-RU" smtClean="0"/>
-              <a:t>23</a:t>
+              <a:t>22</a:t>
             </a:fld>
             <a:endParaRPr lang="ru-RU"/>
           </a:p>
@@ -19593,7 +19593,7 @@
     </p:spTree>
     <p:extLst>
       <p:ext uri="{BB962C8B-B14F-4D97-AF65-F5344CB8AC3E}">
-        <p14:creationId xmlns:p14="http://schemas.microsoft.com/office/powerpoint/2010/main" val="3993697801"/>
+        <p14:creationId xmlns:p14="http://schemas.microsoft.com/office/powerpoint/2010/main" val="3984265228"/>
       </p:ext>
     </p:extLst>
   </p:cSld>
@@ -19668,7 +19668,7 @@
           <a:p>
             <a:fld id="{5E9A7E3A-ADC7-4226-B3BF-DCB7408A146C}" type="slidenum">
               <a:rPr lang="ru-RU" smtClean="0"/>
-              <a:t>24</a:t>
+              <a:t>23</a:t>
             </a:fld>
             <a:endParaRPr lang="ru-RU"/>
           </a:p>
@@ -19677,7 +19677,7 @@
     </p:spTree>
     <p:extLst>
       <p:ext uri="{BB962C8B-B14F-4D97-AF65-F5344CB8AC3E}">
-        <p14:creationId xmlns:p14="http://schemas.microsoft.com/office/powerpoint/2010/main" val="324149071"/>
+        <p14:creationId xmlns:p14="http://schemas.microsoft.com/office/powerpoint/2010/main" val="3993697801"/>
       </p:ext>
     </p:extLst>
   </p:cSld>
@@ -19752,6 +19752,90 @@
           <a:p>
             <a:fld id="{5E9A7E3A-ADC7-4226-B3BF-DCB7408A146C}" type="slidenum">
               <a:rPr lang="ru-RU" smtClean="0"/>
+              <a:t>24</a:t>
+            </a:fld>
+            <a:endParaRPr lang="ru-RU"/>
+          </a:p>
+        </p:txBody>
+      </p:sp>
+    </p:spTree>
+    <p:extLst>
+      <p:ext uri="{BB962C8B-B14F-4D97-AF65-F5344CB8AC3E}">
+        <p14:creationId xmlns:p14="http://schemas.microsoft.com/office/powerpoint/2010/main" val="324149071"/>
+      </p:ext>
+    </p:extLst>
+  </p:cSld>
+  <p:clrMapOvr>
+    <a:masterClrMapping/>
+  </p:clrMapOvr>
+</p:notes>
+</file>
+
+<file path=ppt/notesSlides/notesSlide24.xml><?xml version="1.0" encoding="utf-8"?>
+<p:notes xmlns:a="http://schemas.openxmlformats.org/drawingml/2006/main" xmlns:r="http://schemas.openxmlformats.org/officeDocument/2006/relationships" xmlns:p="http://schemas.openxmlformats.org/presentationml/2006/main">
+  <p:cSld>
+    <p:spTree>
+      <p:nvGrpSpPr>
+        <p:cNvPr id="1" name=""/>
+        <p:cNvGrpSpPr/>
+        <p:nvPr/>
+      </p:nvGrpSpPr>
+      <p:grpSpPr>
+        <a:xfrm>
+          <a:off x="0" y="0"/>
+          <a:ext cx="0" cy="0"/>
+          <a:chOff x="0" y="0"/>
+          <a:chExt cx="0" cy="0"/>
+        </a:xfrm>
+      </p:grpSpPr>
+      <p:sp>
+        <p:nvSpPr>
+          <p:cNvPr id="2" name="Образ слайда 1"/>
+          <p:cNvSpPr>
+            <a:spLocks noGrp="1" noRot="1" noChangeAspect="1"/>
+          </p:cNvSpPr>
+          <p:nvPr>
+            <p:ph type="sldImg"/>
+          </p:nvPr>
+        </p:nvSpPr>
+        <p:spPr/>
+      </p:sp>
+      <p:sp>
+        <p:nvSpPr>
+          <p:cNvPr id="3" name="Заметки 2"/>
+          <p:cNvSpPr>
+            <a:spLocks noGrp="1"/>
+          </p:cNvSpPr>
+          <p:nvPr>
+            <p:ph type="body" idx="1"/>
+          </p:nvPr>
+        </p:nvSpPr>
+        <p:spPr/>
+        <p:txBody>
+          <a:bodyPr/>
+          <a:lstStyle/>
+          <a:p>
+            <a:endParaRPr lang="ru-RU" dirty="0"/>
+          </a:p>
+        </p:txBody>
+      </p:sp>
+      <p:sp>
+        <p:nvSpPr>
+          <p:cNvPr id="4" name="Номер слайда 3"/>
+          <p:cNvSpPr>
+            <a:spLocks noGrp="1"/>
+          </p:cNvSpPr>
+          <p:nvPr>
+            <p:ph type="sldNum" sz="quarter" idx="5"/>
+          </p:nvPr>
+        </p:nvSpPr>
+        <p:spPr/>
+        <p:txBody>
+          <a:bodyPr/>
+          <a:lstStyle/>
+          <a:p>
+            <a:fld id="{5E9A7E3A-ADC7-4226-B3BF-DCB7408A146C}" type="slidenum">
+              <a:rPr lang="ru-RU" smtClean="0"/>
               <a:t>25</a:t>
             </a:fld>
             <a:endParaRPr lang="ru-RU"/>
@@ -19771,7 +19855,7 @@
 </p:notes>
 </file>
 
-<file path=ppt/notesSlides/notesSlide24.xml><?xml version="1.0" encoding="utf-8"?>
+<file path=ppt/notesSlides/notesSlide25.xml><?xml version="1.0" encoding="utf-8"?>
 <p:notes xmlns:a="http://schemas.openxmlformats.org/drawingml/2006/main" xmlns:r="http://schemas.openxmlformats.org/officeDocument/2006/relationships" xmlns:p="http://schemas.openxmlformats.org/presentationml/2006/main">
   <p:cSld>
     <p:spTree>
@@ -20572,7 +20656,7 @@
           <a:p>
             <a:fld id="{44AC4E9E-3BE5-4665-BAE6-72CA507E8656}" type="datetimeFigureOut">
               <a:rPr lang="ru-RU" smtClean="0"/>
-              <a:t>02.10.2023</a:t>
+              <a:t>23.01.2024</a:t>
             </a:fld>
             <a:endParaRPr lang="ru-RU"/>
           </a:p>
@@ -20740,7 +20824,7 @@
           <a:p>
             <a:fld id="{44AC4E9E-3BE5-4665-BAE6-72CA507E8656}" type="datetimeFigureOut">
               <a:rPr lang="ru-RU" smtClean="0"/>
-              <a:t>02.10.2023</a:t>
+              <a:t>23.01.2024</a:t>
             </a:fld>
             <a:endParaRPr lang="ru-RU"/>
           </a:p>
@@ -20918,7 +21002,7 @@
           <a:p>
             <a:fld id="{44AC4E9E-3BE5-4665-BAE6-72CA507E8656}" type="datetimeFigureOut">
               <a:rPr lang="ru-RU" smtClean="0"/>
-              <a:t>02.10.2023</a:t>
+              <a:t>23.01.2024</a:t>
             </a:fld>
             <a:endParaRPr lang="ru-RU"/>
           </a:p>
@@ -21086,7 +21170,7 @@
           <a:p>
             <a:fld id="{44AC4E9E-3BE5-4665-BAE6-72CA507E8656}" type="datetimeFigureOut">
               <a:rPr lang="ru-RU" smtClean="0"/>
-              <a:t>02.10.2023</a:t>
+              <a:t>23.01.2024</a:t>
             </a:fld>
             <a:endParaRPr lang="ru-RU"/>
           </a:p>
@@ -21331,7 +21415,7 @@
           <a:p>
             <a:fld id="{44AC4E9E-3BE5-4665-BAE6-72CA507E8656}" type="datetimeFigureOut">
               <a:rPr lang="ru-RU" smtClean="0"/>
-              <a:t>02.10.2023</a:t>
+              <a:t>23.01.2024</a:t>
             </a:fld>
             <a:endParaRPr lang="ru-RU"/>
           </a:p>
@@ -21560,7 +21644,7 @@
           <a:p>
             <a:fld id="{44AC4E9E-3BE5-4665-BAE6-72CA507E8656}" type="datetimeFigureOut">
               <a:rPr lang="ru-RU" smtClean="0"/>
-              <a:t>02.10.2023</a:t>
+              <a:t>23.01.2024</a:t>
             </a:fld>
             <a:endParaRPr lang="ru-RU"/>
           </a:p>
@@ -21924,7 +22008,7 @@
           <a:p>
             <a:fld id="{44AC4E9E-3BE5-4665-BAE6-72CA507E8656}" type="datetimeFigureOut">
               <a:rPr lang="ru-RU" smtClean="0"/>
-              <a:t>02.10.2023</a:t>
+              <a:t>23.01.2024</a:t>
             </a:fld>
             <a:endParaRPr lang="ru-RU"/>
           </a:p>
@@ -22041,7 +22125,7 @@
           <a:p>
             <a:fld id="{44AC4E9E-3BE5-4665-BAE6-72CA507E8656}" type="datetimeFigureOut">
               <a:rPr lang="ru-RU" smtClean="0"/>
-              <a:t>02.10.2023</a:t>
+              <a:t>23.01.2024</a:t>
             </a:fld>
             <a:endParaRPr lang="ru-RU"/>
           </a:p>
@@ -22136,7 +22220,7 @@
           <a:p>
             <a:fld id="{44AC4E9E-3BE5-4665-BAE6-72CA507E8656}" type="datetimeFigureOut">
               <a:rPr lang="ru-RU" smtClean="0"/>
-              <a:t>02.10.2023</a:t>
+              <a:t>23.01.2024</a:t>
             </a:fld>
             <a:endParaRPr lang="ru-RU"/>
           </a:p>
@@ -22411,7 +22495,7 @@
           <a:p>
             <a:fld id="{44AC4E9E-3BE5-4665-BAE6-72CA507E8656}" type="datetimeFigureOut">
               <a:rPr lang="ru-RU" smtClean="0"/>
-              <a:t>02.10.2023</a:t>
+              <a:t>23.01.2024</a:t>
             </a:fld>
             <a:endParaRPr lang="ru-RU"/>
           </a:p>
@@ -22663,7 +22747,7 @@
           <a:p>
             <a:fld id="{44AC4E9E-3BE5-4665-BAE6-72CA507E8656}" type="datetimeFigureOut">
               <a:rPr lang="ru-RU" smtClean="0"/>
-              <a:t>02.10.2023</a:t>
+              <a:t>23.01.2024</a:t>
             </a:fld>
             <a:endParaRPr lang="ru-RU"/>
           </a:p>
@@ -22874,7 +22958,7 @@
           <a:p>
             <a:fld id="{44AC4E9E-3BE5-4665-BAE6-72CA507E8656}" type="datetimeFigureOut">
               <a:rPr lang="ru-RU" smtClean="0"/>
-              <a:t>02.10.2023</a:t>
+              <a:t>23.01.2024</a:t>
             </a:fld>
             <a:endParaRPr lang="ru-RU"/>
           </a:p>
@@ -23409,7 +23493,7 @@
                 <a:latin typeface="Arial" panose="020B0604020202020204" pitchFamily="34" charset="0"/>
                 <a:cs typeface="Arial" panose="020B0604020202020204" pitchFamily="34" charset="0"/>
               </a:rPr>
-              <a:t>к.ф.-м.н., доцент кафедры «Информационные технологии и системы управления» ИРИТ РТФ УрФУ</a:t>
+              <a:t>к.ф.-м.н., доцент кафедры «Информационные технологии и системы управления» ИРИТ-РТФ УрФУ</a:t>
             </a:r>
             <a:br>
               <a:rPr lang="en-US" dirty="0">
@@ -29344,15 +29428,15 @@
               <a:buNone/>
             </a:pPr>
             <a:r>
-              <a:rPr lang="ru-RU" sz="1900"/>
+              <a:rPr lang="ru-RU" sz="1900" dirty="0"/>
               <a:t>Проблемы рекуррентных сетей: градиентный взрыв и исчезновение градиента, </a:t>
             </a:r>
             <a:r>
-              <a:rPr lang="en-US" sz="1900"/>
+              <a:rPr lang="en-US" sz="1900" dirty="0"/>
               <a:t>LSTM </a:t>
             </a:r>
             <a:r>
-              <a:rPr lang="ru-RU" sz="1900"/>
+              <a:rPr lang="ru-RU" sz="1900" dirty="0"/>
               <a:t>их решает.</a:t>
             </a:r>
           </a:p>
@@ -29362,79 +29446,95 @@
               <a:buNone/>
             </a:pPr>
             <a:r>
-              <a:rPr lang="ru-RU" sz="1900" b="1"/>
+              <a:rPr lang="ru-RU" sz="1900" b="1" dirty="0"/>
               <a:t>LSTM </a:t>
             </a:r>
             <a:r>
-              <a:rPr lang="ru-RU" sz="1900"/>
+              <a:rPr lang="ru-RU" sz="1900" dirty="0"/>
               <a:t>(</a:t>
             </a:r>
             <a:r>
-              <a:rPr lang="ru-RU" sz="1900" i="1"/>
-              <a:t>long short-term memory</a:t>
+              <a:rPr lang="ru-RU" sz="1900" i="1" dirty="0" err="1"/>
+              <a:t>long</a:t>
             </a:r>
             <a:r>
-              <a:rPr lang="ru-RU" sz="1900"/>
+              <a:rPr lang="ru-RU" sz="1900" i="1" dirty="0"/>
+              <a:t> </a:t>
+            </a:r>
+            <a:r>
+              <a:rPr lang="ru-RU" sz="1900" i="1" dirty="0" err="1"/>
+              <a:t>short-term</a:t>
+            </a:r>
+            <a:r>
+              <a:rPr lang="ru-RU" sz="1900" i="1" dirty="0"/>
+              <a:t> </a:t>
+            </a:r>
+            <a:r>
+              <a:rPr lang="ru-RU" sz="1900" i="1" dirty="0" err="1"/>
+              <a:t>memory</a:t>
+            </a:r>
+            <a:r>
+              <a:rPr lang="ru-RU" sz="1900" dirty="0"/>
               <a:t>, </a:t>
             </a:r>
             <a:r>
-              <a:rPr lang="ru-RU" sz="1900" i="1"/>
+              <a:rPr lang="ru-RU" sz="1900" i="1" dirty="0"/>
               <a:t>долгая краткосрочная память</a:t>
             </a:r>
             <a:r>
-              <a:rPr lang="ru-RU" sz="1900"/>
+              <a:rPr lang="ru-RU" sz="1900" dirty="0"/>
               <a:t>) — тип рекуррентной нейронной сети, способный обучаться долгосрочным зависимостям. </a:t>
             </a:r>
-            <a:endParaRPr lang="en-US" sz="1900"/>
+            <a:endParaRPr lang="en-US" sz="1900" dirty="0"/>
           </a:p>
           <a:p>
             <a:pPr marL="0" indent="0">
               <a:buFont typeface="Arial" panose="020B0604020202020204" pitchFamily="34" charset="0"/>
               <a:buNone/>
             </a:pPr>
-            <a:endParaRPr lang="en-US" sz="1900"/>
+            <a:endParaRPr lang="en-US" sz="1900" dirty="0"/>
           </a:p>
           <a:p>
             <a:pPr marL="0" indent="0">
               <a:buFont typeface="Arial" panose="020B0604020202020204" pitchFamily="34" charset="0"/>
               <a:buNone/>
             </a:pPr>
-            <a:endParaRPr lang="en-US" sz="1900"/>
+            <a:endParaRPr lang="en-US" sz="1900" dirty="0"/>
           </a:p>
           <a:p>
             <a:pPr marL="0" indent="0">
               <a:buFont typeface="Arial" panose="020B0604020202020204" pitchFamily="34" charset="0"/>
               <a:buNone/>
             </a:pPr>
-            <a:endParaRPr lang="en-US" sz="1900"/>
+            <a:endParaRPr lang="en-US" sz="1900" dirty="0"/>
           </a:p>
           <a:p>
             <a:pPr marL="0" indent="0">
               <a:buFont typeface="Arial" panose="020B0604020202020204" pitchFamily="34" charset="0"/>
               <a:buNone/>
             </a:pPr>
-            <a:endParaRPr lang="en-US" sz="1900"/>
+            <a:endParaRPr lang="en-US" sz="1900" dirty="0"/>
           </a:p>
           <a:p>
             <a:pPr marL="0" indent="0">
               <a:buFont typeface="Arial" panose="020B0604020202020204" pitchFamily="34" charset="0"/>
               <a:buNone/>
             </a:pPr>
-            <a:endParaRPr lang="en-US" sz="1900"/>
+            <a:endParaRPr lang="en-US" sz="1900" dirty="0"/>
           </a:p>
           <a:p>
             <a:pPr marL="0" indent="0">
               <a:buFont typeface="Arial" panose="020B0604020202020204" pitchFamily="34" charset="0"/>
               <a:buNone/>
             </a:pPr>
-            <a:endParaRPr lang="en-US" sz="1900"/>
+            <a:endParaRPr lang="en-US" sz="1900" dirty="0"/>
           </a:p>
           <a:p>
             <a:pPr marL="0" indent="0">
               <a:buFont typeface="Arial" panose="020B0604020202020204" pitchFamily="34" charset="0"/>
               <a:buNone/>
             </a:pPr>
-            <a:endParaRPr lang="en-US" sz="1900"/>
+            <a:endParaRPr lang="en-US" sz="1900" dirty="0"/>
           </a:p>
           <a:p>
             <a:pPr marL="0" indent="0">
@@ -29442,33 +29542,33 @@
               <a:buNone/>
             </a:pPr>
             <a:r>
-              <a:rPr lang="ru-RU" sz="1900" b="1"/>
+              <a:rPr lang="ru-RU" sz="1900" b="1" dirty="0"/>
               <a:t>Этапы:</a:t>
             </a:r>
           </a:p>
           <a:p>
             <a:r>
-              <a:rPr lang="ru-RU" sz="1900"/>
+              <a:rPr lang="ru-RU" sz="1900" dirty="0"/>
               <a:t>Удаление ненужной информации</a:t>
             </a:r>
-            <a:endParaRPr lang="en-US" sz="1900"/>
+            <a:endParaRPr lang="en-US" sz="1900" dirty="0"/>
           </a:p>
           <a:p>
             <a:r>
-              <a:rPr lang="ru-RU" sz="1900"/>
+              <a:rPr lang="ru-RU" sz="1900" dirty="0"/>
               <a:t>Сохранение нужной информации</a:t>
             </a:r>
-            <a:endParaRPr lang="en-US" sz="1900"/>
+            <a:endParaRPr lang="en-US" sz="1900" dirty="0"/>
           </a:p>
           <a:p>
             <a:r>
-              <a:rPr lang="ru-RU" sz="1900"/>
+              <a:rPr lang="ru-RU" sz="1900" dirty="0"/>
               <a:t>Формирование нового состояния</a:t>
             </a:r>
-            <a:endParaRPr lang="en-US" sz="1900"/>
-          </a:p>
-          <a:p>
-            <a:endParaRPr lang="ru-RU" sz="1900"/>
+            <a:endParaRPr lang="en-US" sz="1900" dirty="0"/>
+          </a:p>
+          <a:p>
+            <a:endParaRPr lang="ru-RU" sz="1900" dirty="0"/>
           </a:p>
           <a:p>
             <a:endParaRPr lang="en-US" sz="1900" dirty="0"/>
@@ -29730,7 +29830,7 @@
         </p:nvSpPr>
         <p:spPr>
           <a:xfrm>
-            <a:off x="633520" y="2545073"/>
+            <a:off x="854190" y="2545073"/>
             <a:ext cx="5186369" cy="338554"/>
           </a:xfrm>
           <a:prstGeom prst="rect">
@@ -29782,10 +29882,193 @@
       </p:grpSpPr>
       <p:sp>
         <p:nvSpPr>
-          <p:cNvPr id="2" name="Заголовок 1">
+          <p:cNvPr id="3" name="Прямоугольник 2"/>
+          <p:cNvSpPr/>
+          <p:nvPr/>
+        </p:nvSpPr>
+        <p:spPr>
+          <a:xfrm flipV="1">
+            <a:off x="925620" y="920165"/>
+            <a:ext cx="10865327" cy="21600"/>
+          </a:xfrm>
+          <a:prstGeom prst="rect">
+            <a:avLst/>
+          </a:prstGeom>
+          <a:solidFill>
+            <a:srgbClr val="E20443"/>
+          </a:solidFill>
+          <a:ln>
+            <a:noFill/>
+          </a:ln>
+        </p:spPr>
+        <p:style>
+          <a:lnRef idx="2">
+            <a:schemeClr val="accent1">
+              <a:shade val="50000"/>
+            </a:schemeClr>
+          </a:lnRef>
+          <a:fillRef idx="1">
+            <a:schemeClr val="accent1"/>
+          </a:fillRef>
+          <a:effectRef idx="0">
+            <a:schemeClr val="accent1"/>
+          </a:effectRef>
+          <a:fontRef idx="minor">
+            <a:schemeClr val="lt1"/>
+          </a:fontRef>
+        </p:style>
+        <p:txBody>
+          <a:bodyPr rtlCol="0" anchor="ctr"/>
+          <a:lstStyle/>
+          <a:p>
+            <a:pPr algn="ctr"/>
+            <a:endParaRPr lang="ru-RU">
+              <a:solidFill>
+                <a:srgbClr val="E20443"/>
+              </a:solidFill>
+            </a:endParaRPr>
+          </a:p>
+        </p:txBody>
+      </p:sp>
+      <p:sp>
+        <p:nvSpPr>
+          <p:cNvPr id="4" name="TextBox 9">
             <a:extLst>
               <a:ext uri="{FF2B5EF4-FFF2-40B4-BE49-F238E27FC236}">
-                <a16:creationId xmlns:a16="http://schemas.microsoft.com/office/drawing/2014/main" id="{177A830B-6BC6-47A5-876E-5FB241AF4D8D}"/>
+                <a16:creationId xmlns:a16="http://schemas.microsoft.com/office/drawing/2014/main" id="{6D1610F7-A0C9-4E50-9206-D9E394A55B73}"/>
+              </a:ext>
+            </a:extLst>
+          </p:cNvPr>
+          <p:cNvSpPr txBox="1"/>
+          <p:nvPr/>
+        </p:nvSpPr>
+        <p:spPr>
+          <a:xfrm>
+            <a:off x="2057400" y="219959"/>
+            <a:ext cx="9794965" cy="523220"/>
+          </a:xfrm>
+          <a:prstGeom prst="rect">
+            <a:avLst/>
+          </a:prstGeom>
+          <a:noFill/>
+        </p:spPr>
+        <p:txBody>
+          <a:bodyPr wrap="square" rtlCol="0">
+            <a:spAutoFit/>
+          </a:bodyPr>
+          <a:lstStyle>
+            <a:defPPr>
+              <a:defRPr lang="ru-RU"/>
+            </a:defPPr>
+            <a:lvl1pPr marL="0" algn="l" defTabSz="914400" rtl="0" eaLnBrk="1" latinLnBrk="0" hangingPunct="1">
+              <a:defRPr sz="1800" kern="1200">
+                <a:solidFill>
+                  <a:schemeClr val="tx1"/>
+                </a:solidFill>
+                <a:latin typeface="+mn-lt"/>
+                <a:ea typeface="+mn-ea"/>
+                <a:cs typeface="+mn-cs"/>
+              </a:defRPr>
+            </a:lvl1pPr>
+            <a:lvl2pPr marL="457200" algn="l" defTabSz="914400" rtl="0" eaLnBrk="1" latinLnBrk="0" hangingPunct="1">
+              <a:defRPr sz="1800" kern="1200">
+                <a:solidFill>
+                  <a:schemeClr val="tx1"/>
+                </a:solidFill>
+                <a:latin typeface="+mn-lt"/>
+                <a:ea typeface="+mn-ea"/>
+                <a:cs typeface="+mn-cs"/>
+              </a:defRPr>
+            </a:lvl2pPr>
+            <a:lvl3pPr marL="914400" algn="l" defTabSz="914400" rtl="0" eaLnBrk="1" latinLnBrk="0" hangingPunct="1">
+              <a:defRPr sz="1800" kern="1200">
+                <a:solidFill>
+                  <a:schemeClr val="tx1"/>
+                </a:solidFill>
+                <a:latin typeface="+mn-lt"/>
+                <a:ea typeface="+mn-ea"/>
+                <a:cs typeface="+mn-cs"/>
+              </a:defRPr>
+            </a:lvl3pPr>
+            <a:lvl4pPr marL="1371600" algn="l" defTabSz="914400" rtl="0" eaLnBrk="1" latinLnBrk="0" hangingPunct="1">
+              <a:defRPr sz="1800" kern="1200">
+                <a:solidFill>
+                  <a:schemeClr val="tx1"/>
+                </a:solidFill>
+                <a:latin typeface="+mn-lt"/>
+                <a:ea typeface="+mn-ea"/>
+                <a:cs typeface="+mn-cs"/>
+              </a:defRPr>
+            </a:lvl4pPr>
+            <a:lvl5pPr marL="1828800" algn="l" defTabSz="914400" rtl="0" eaLnBrk="1" latinLnBrk="0" hangingPunct="1">
+              <a:defRPr sz="1800" kern="1200">
+                <a:solidFill>
+                  <a:schemeClr val="tx1"/>
+                </a:solidFill>
+                <a:latin typeface="+mn-lt"/>
+                <a:ea typeface="+mn-ea"/>
+                <a:cs typeface="+mn-cs"/>
+              </a:defRPr>
+            </a:lvl5pPr>
+            <a:lvl6pPr marL="2286000" algn="l" defTabSz="914400" rtl="0" eaLnBrk="1" latinLnBrk="0" hangingPunct="1">
+              <a:defRPr sz="1800" kern="1200">
+                <a:solidFill>
+                  <a:schemeClr val="tx1"/>
+                </a:solidFill>
+                <a:latin typeface="+mn-lt"/>
+                <a:ea typeface="+mn-ea"/>
+                <a:cs typeface="+mn-cs"/>
+              </a:defRPr>
+            </a:lvl6pPr>
+            <a:lvl7pPr marL="2743200" algn="l" defTabSz="914400" rtl="0" eaLnBrk="1" latinLnBrk="0" hangingPunct="1">
+              <a:defRPr sz="1800" kern="1200">
+                <a:solidFill>
+                  <a:schemeClr val="tx1"/>
+                </a:solidFill>
+                <a:latin typeface="+mn-lt"/>
+                <a:ea typeface="+mn-ea"/>
+                <a:cs typeface="+mn-cs"/>
+              </a:defRPr>
+            </a:lvl7pPr>
+            <a:lvl8pPr marL="3200400" algn="l" defTabSz="914400" rtl="0" eaLnBrk="1" latinLnBrk="0" hangingPunct="1">
+              <a:defRPr sz="1800" kern="1200">
+                <a:solidFill>
+                  <a:schemeClr val="tx1"/>
+                </a:solidFill>
+                <a:latin typeface="+mn-lt"/>
+                <a:ea typeface="+mn-ea"/>
+                <a:cs typeface="+mn-cs"/>
+              </a:defRPr>
+            </a:lvl8pPr>
+            <a:lvl9pPr marL="3657600" algn="l" defTabSz="914400" rtl="0" eaLnBrk="1" latinLnBrk="0" hangingPunct="1">
+              <a:defRPr sz="1800" kern="1200">
+                <a:solidFill>
+                  <a:schemeClr val="tx1"/>
+                </a:solidFill>
+                <a:latin typeface="+mn-lt"/>
+                <a:ea typeface="+mn-ea"/>
+                <a:cs typeface="+mn-cs"/>
+              </a:defRPr>
+            </a:lvl9pPr>
+          </a:lstStyle>
+          <a:p>
+            <a:r>
+              <a:rPr lang="ru-RU" sz="2800" b="1" dirty="0">
+                <a:solidFill>
+                  <a:srgbClr val="FF0000"/>
+                </a:solidFill>
+              </a:rPr>
+              <a:t>Аномалия во временных рядах</a:t>
+            </a:r>
+          </a:p>
+        </p:txBody>
+      </p:sp>
+      <p:sp>
+        <p:nvSpPr>
+          <p:cNvPr id="6" name="Номер слайда 5">
+            <a:extLst>
+              <a:ext uri="{FF2B5EF4-FFF2-40B4-BE49-F238E27FC236}">
+                <a16:creationId xmlns:a16="http://schemas.microsoft.com/office/drawing/2014/main" id="{2A73E36B-93CF-4B6D-9D12-D242EBAEB367}"/>
               </a:ext>
             </a:extLst>
           </p:cNvPr>
@@ -29793,7 +30076,7 @@
             <a:spLocks noGrp="1"/>
           </p:cNvSpPr>
           <p:nvPr>
-            <p:ph type="title"/>
+            <p:ph type="sldNum" sz="quarter" idx="12"/>
           </p:nvPr>
         </p:nvSpPr>
         <p:spPr/>
@@ -29801,79 +30084,281 @@
           <a:bodyPr/>
           <a:lstStyle/>
           <a:p>
-            <a:r>
-              <a:rPr lang="ru-RU" dirty="0"/>
-              <a:t>Аномалия во временных рядах</a:t>
-            </a:r>
-          </a:p>
-        </p:txBody>
-      </p:sp>
-      <p:sp>
-        <p:nvSpPr>
-          <p:cNvPr id="3" name="Объект 2">
-            <a:extLst>
-              <a:ext uri="{FF2B5EF4-FFF2-40B4-BE49-F238E27FC236}">
-                <a16:creationId xmlns:a16="http://schemas.microsoft.com/office/drawing/2014/main" id="{22293B1F-3BE0-4AF4-96CE-AA66DB474A0B}"/>
-              </a:ext>
-            </a:extLst>
-          </p:cNvPr>
-          <p:cNvSpPr>
-            <a:spLocks noGrp="1"/>
-          </p:cNvSpPr>
-          <p:nvPr>
-            <p:ph idx="1"/>
-          </p:nvPr>
-        </p:nvSpPr>
-        <p:spPr>
-          <a:xfrm>
-            <a:off x="838200" y="1825625"/>
-            <a:ext cx="5872993" cy="4351338"/>
-          </a:xfrm>
-        </p:spPr>
-        <p:txBody>
-          <a:bodyPr/>
-          <a:lstStyle/>
-          <a:p>
-            <a:r>
-              <a:rPr lang="ru-RU" dirty="0"/>
-              <a:t>Аномалия – где временной ряд ведет себя необычно </a:t>
-            </a:r>
-            <a:r>
-              <a:rPr lang="en-US" dirty="0"/>
-              <a:t>8-</a:t>
-            </a:r>
-            <a:r>
-              <a:rPr lang="ru-RU" dirty="0"/>
-              <a:t>)</a:t>
-            </a:r>
-          </a:p>
-          <a:p>
-            <a:r>
-              <a:rPr lang="ru-RU" dirty="0"/>
-              <a:t>Точечная аномалия</a:t>
-            </a:r>
-          </a:p>
-          <a:p>
-            <a:r>
-              <a:rPr lang="ru-RU" dirty="0"/>
-              <a:t>Коллективная аномалия (аномальное поведение группы точек, каждая точка нормальная)</a:t>
-            </a:r>
-            <a:endParaRPr lang="en-US" dirty="0"/>
-          </a:p>
-          <a:p>
-            <a:r>
-              <a:rPr lang="ru-RU" dirty="0"/>
-              <a:t>Аномалия во времени – «нормальные значения» появляются в неправильное время, сложно понять контекст сигнала</a:t>
-            </a:r>
+            <a:fld id="{FF9AC15E-FCD1-4167-800F-1DB8497ABFCE}" type="slidenum">
+              <a:rPr lang="ru-RU" smtClean="0"/>
+              <a:t>17</a:t>
+            </a:fld>
+            <a:endParaRPr lang="ru-RU"/>
           </a:p>
         </p:txBody>
       </p:sp>
       <p:pic>
         <p:nvPicPr>
-          <p:cNvPr id="5" name="Рисунок 4">
+          <p:cNvPr id="9" name="Объект 1">
             <a:extLst>
               <a:ext uri="{FF2B5EF4-FFF2-40B4-BE49-F238E27FC236}">
-                <a16:creationId xmlns:a16="http://schemas.microsoft.com/office/drawing/2014/main" id="{65450898-623B-4635-9D25-7A7571723C17}"/>
+                <a16:creationId xmlns:a16="http://schemas.microsoft.com/office/drawing/2014/main" id="{D8975343-2B37-104D-8757-0404410E4582}"/>
+              </a:ext>
+            </a:extLst>
+          </p:cNvPr>
+          <p:cNvPicPr>
+            <a:picLocks noGrp="1" noChangeAspect="1"/>
+          </p:cNvPicPr>
+          <p:nvPr>
+            <p:ph idx="1"/>
+          </p:nvPr>
+        </p:nvPicPr>
+        <p:blipFill rotWithShape="1">
+          <a:blip r:embed="rId3" cstate="print">
+            <a:extLst>
+              <a:ext uri="{28A0092B-C50C-407E-A947-70E740481C1C}">
+                <a14:useLocalDpi xmlns:a14="http://schemas.microsoft.com/office/drawing/2010/main" val="0"/>
+              </a:ext>
+            </a:extLst>
+          </a:blip>
+          <a:srcRect r="40340"/>
+          <a:stretch/>
+        </p:blipFill>
+        <p:spPr>
+          <a:xfrm>
+            <a:off x="603100" y="319559"/>
+            <a:ext cx="1342931" cy="434420"/>
+          </a:xfrm>
+        </p:spPr>
+      </p:pic>
+      <p:sp>
+        <p:nvSpPr>
+          <p:cNvPr id="16" name="Объект 2">
+            <a:extLst>
+              <a:ext uri="{FF2B5EF4-FFF2-40B4-BE49-F238E27FC236}">
+                <a16:creationId xmlns:a16="http://schemas.microsoft.com/office/drawing/2014/main" id="{248509AA-7A09-440A-8DD4-EEB7B8EB88C7}"/>
+              </a:ext>
+            </a:extLst>
+          </p:cNvPr>
+          <p:cNvSpPr txBox="1">
+            <a:spLocks/>
+          </p:cNvSpPr>
+          <p:nvPr/>
+        </p:nvSpPr>
+        <p:spPr>
+          <a:xfrm>
+            <a:off x="538942" y="1607574"/>
+            <a:ext cx="5872993" cy="4351338"/>
+          </a:xfrm>
+          <a:prstGeom prst="rect">
+            <a:avLst/>
+          </a:prstGeom>
+        </p:spPr>
+        <p:txBody>
+          <a:bodyPr vert="horz" lIns="91440" tIns="45720" rIns="91440" bIns="45720" rtlCol="0">
+            <a:normAutofit/>
+          </a:bodyPr>
+          <a:lstStyle>
+            <a:lvl1pPr marL="228600" indent="-228600" algn="l" defTabSz="914400" rtl="0" eaLnBrk="1" latinLnBrk="0" hangingPunct="1">
+              <a:lnSpc>
+                <a:spcPct val="90000"/>
+              </a:lnSpc>
+              <a:spcBef>
+                <a:spcPts val="1000"/>
+              </a:spcBef>
+              <a:buFont typeface="Arial" panose="020B0604020202020204" pitchFamily="34" charset="0"/>
+              <a:buChar char="•"/>
+              <a:defRPr sz="2800" kern="1200">
+                <a:solidFill>
+                  <a:schemeClr val="tx1"/>
+                </a:solidFill>
+                <a:latin typeface="+mn-lt"/>
+                <a:ea typeface="+mn-ea"/>
+                <a:cs typeface="+mn-cs"/>
+              </a:defRPr>
+            </a:lvl1pPr>
+            <a:lvl2pPr marL="685800" indent="-228600" algn="l" defTabSz="914400" rtl="0" eaLnBrk="1" latinLnBrk="0" hangingPunct="1">
+              <a:lnSpc>
+                <a:spcPct val="90000"/>
+              </a:lnSpc>
+              <a:spcBef>
+                <a:spcPts val="500"/>
+              </a:spcBef>
+              <a:buFont typeface="Arial" panose="020B0604020202020204" pitchFamily="34" charset="0"/>
+              <a:buChar char="•"/>
+              <a:defRPr sz="2400" kern="1200">
+                <a:solidFill>
+                  <a:schemeClr val="tx1"/>
+                </a:solidFill>
+                <a:latin typeface="+mn-lt"/>
+                <a:ea typeface="+mn-ea"/>
+                <a:cs typeface="+mn-cs"/>
+              </a:defRPr>
+            </a:lvl2pPr>
+            <a:lvl3pPr marL="1143000" indent="-228600" algn="l" defTabSz="914400" rtl="0" eaLnBrk="1" latinLnBrk="0" hangingPunct="1">
+              <a:lnSpc>
+                <a:spcPct val="90000"/>
+              </a:lnSpc>
+              <a:spcBef>
+                <a:spcPts val="500"/>
+              </a:spcBef>
+              <a:buFont typeface="Arial" panose="020B0604020202020204" pitchFamily="34" charset="0"/>
+              <a:buChar char="•"/>
+              <a:defRPr sz="2000" kern="1200">
+                <a:solidFill>
+                  <a:schemeClr val="tx1"/>
+                </a:solidFill>
+                <a:latin typeface="+mn-lt"/>
+                <a:ea typeface="+mn-ea"/>
+                <a:cs typeface="+mn-cs"/>
+              </a:defRPr>
+            </a:lvl3pPr>
+            <a:lvl4pPr marL="1600200" indent="-228600" algn="l" defTabSz="914400" rtl="0" eaLnBrk="1" latinLnBrk="0" hangingPunct="1">
+              <a:lnSpc>
+                <a:spcPct val="90000"/>
+              </a:lnSpc>
+              <a:spcBef>
+                <a:spcPts val="500"/>
+              </a:spcBef>
+              <a:buFont typeface="Arial" panose="020B0604020202020204" pitchFamily="34" charset="0"/>
+              <a:buChar char="•"/>
+              <a:defRPr sz="1800" kern="1200">
+                <a:solidFill>
+                  <a:schemeClr val="tx1"/>
+                </a:solidFill>
+                <a:latin typeface="+mn-lt"/>
+                <a:ea typeface="+mn-ea"/>
+                <a:cs typeface="+mn-cs"/>
+              </a:defRPr>
+            </a:lvl4pPr>
+            <a:lvl5pPr marL="2057400" indent="-228600" algn="l" defTabSz="914400" rtl="0" eaLnBrk="1" latinLnBrk="0" hangingPunct="1">
+              <a:lnSpc>
+                <a:spcPct val="90000"/>
+              </a:lnSpc>
+              <a:spcBef>
+                <a:spcPts val="500"/>
+              </a:spcBef>
+              <a:buFont typeface="Arial" panose="020B0604020202020204" pitchFamily="34" charset="0"/>
+              <a:buChar char="•"/>
+              <a:defRPr sz="1800" kern="1200">
+                <a:solidFill>
+                  <a:schemeClr val="tx1"/>
+                </a:solidFill>
+                <a:latin typeface="+mn-lt"/>
+                <a:ea typeface="+mn-ea"/>
+                <a:cs typeface="+mn-cs"/>
+              </a:defRPr>
+            </a:lvl5pPr>
+            <a:lvl6pPr marL="2514600" indent="-228600" algn="l" defTabSz="914400" rtl="0" eaLnBrk="1" latinLnBrk="0" hangingPunct="1">
+              <a:lnSpc>
+                <a:spcPct val="90000"/>
+              </a:lnSpc>
+              <a:spcBef>
+                <a:spcPts val="500"/>
+              </a:spcBef>
+              <a:buFont typeface="Arial" panose="020B0604020202020204" pitchFamily="34" charset="0"/>
+              <a:buChar char="•"/>
+              <a:defRPr sz="1800" kern="1200">
+                <a:solidFill>
+                  <a:schemeClr val="tx1"/>
+                </a:solidFill>
+                <a:latin typeface="+mn-lt"/>
+                <a:ea typeface="+mn-ea"/>
+                <a:cs typeface="+mn-cs"/>
+              </a:defRPr>
+            </a:lvl6pPr>
+            <a:lvl7pPr marL="2971800" indent="-228600" algn="l" defTabSz="914400" rtl="0" eaLnBrk="1" latinLnBrk="0" hangingPunct="1">
+              <a:lnSpc>
+                <a:spcPct val="90000"/>
+              </a:lnSpc>
+              <a:spcBef>
+                <a:spcPts val="500"/>
+              </a:spcBef>
+              <a:buFont typeface="Arial" panose="020B0604020202020204" pitchFamily="34" charset="0"/>
+              <a:buChar char="•"/>
+              <a:defRPr sz="1800" kern="1200">
+                <a:solidFill>
+                  <a:schemeClr val="tx1"/>
+                </a:solidFill>
+                <a:latin typeface="+mn-lt"/>
+                <a:ea typeface="+mn-ea"/>
+                <a:cs typeface="+mn-cs"/>
+              </a:defRPr>
+            </a:lvl7pPr>
+            <a:lvl8pPr marL="3429000" indent="-228600" algn="l" defTabSz="914400" rtl="0" eaLnBrk="1" latinLnBrk="0" hangingPunct="1">
+              <a:lnSpc>
+                <a:spcPct val="90000"/>
+              </a:lnSpc>
+              <a:spcBef>
+                <a:spcPts val="500"/>
+              </a:spcBef>
+              <a:buFont typeface="Arial" panose="020B0604020202020204" pitchFamily="34" charset="0"/>
+              <a:buChar char="•"/>
+              <a:defRPr sz="1800" kern="1200">
+                <a:solidFill>
+                  <a:schemeClr val="tx1"/>
+                </a:solidFill>
+                <a:latin typeface="+mn-lt"/>
+                <a:ea typeface="+mn-ea"/>
+                <a:cs typeface="+mn-cs"/>
+              </a:defRPr>
+            </a:lvl8pPr>
+            <a:lvl9pPr marL="3886200" indent="-228600" algn="l" defTabSz="914400" rtl="0" eaLnBrk="1" latinLnBrk="0" hangingPunct="1">
+              <a:lnSpc>
+                <a:spcPct val="90000"/>
+              </a:lnSpc>
+              <a:spcBef>
+                <a:spcPts val="500"/>
+              </a:spcBef>
+              <a:buFont typeface="Arial" panose="020B0604020202020204" pitchFamily="34" charset="0"/>
+              <a:buChar char="•"/>
+              <a:defRPr sz="1800" kern="1200">
+                <a:solidFill>
+                  <a:schemeClr val="tx1"/>
+                </a:solidFill>
+                <a:latin typeface="+mn-lt"/>
+                <a:ea typeface="+mn-ea"/>
+                <a:cs typeface="+mn-cs"/>
+              </a:defRPr>
+            </a:lvl9pPr>
+          </a:lstStyle>
+          <a:p>
+            <a:r>
+              <a:rPr lang="ru-RU"/>
+              <a:t>Аномалия – где временной ряд ведет себя необычно </a:t>
+            </a:r>
+            <a:r>
+              <a:rPr lang="en-US"/>
+              <a:t>8-</a:t>
+            </a:r>
+            <a:r>
+              <a:rPr lang="ru-RU"/>
+              <a:t>)</a:t>
+            </a:r>
+          </a:p>
+          <a:p>
+            <a:r>
+              <a:rPr lang="ru-RU"/>
+              <a:t>Точечная аномалия</a:t>
+            </a:r>
+          </a:p>
+          <a:p>
+            <a:r>
+              <a:rPr lang="ru-RU"/>
+              <a:t>Коллективная аномалия (аномальное поведение группы точек, каждая точка нормальная)</a:t>
+            </a:r>
+            <a:endParaRPr lang="en-US"/>
+          </a:p>
+          <a:p>
+            <a:r>
+              <a:rPr lang="ru-RU"/>
+              <a:t>Аномалия во времени – «нормальные значения» появляются в неправильное время, сложно понять контекст сигнала</a:t>
+            </a:r>
+            <a:endParaRPr lang="ru-RU" dirty="0"/>
+          </a:p>
+        </p:txBody>
+      </p:sp>
+      <p:pic>
+        <p:nvPicPr>
+          <p:cNvPr id="17" name="Рисунок 16">
+            <a:extLst>
+              <a:ext uri="{FF2B5EF4-FFF2-40B4-BE49-F238E27FC236}">
+                <a16:creationId xmlns:a16="http://schemas.microsoft.com/office/drawing/2014/main" id="{C63E2F9E-9769-42D2-A0C2-0211D44675E0}"/>
               </a:ext>
             </a:extLst>
           </p:cNvPr>
@@ -29883,14 +30368,14 @@
           <p:nvPr/>
         </p:nvPicPr>
         <p:blipFill>
-          <a:blip r:embed="rId2"/>
+          <a:blip r:embed="rId4"/>
           <a:stretch>
             <a:fillRect/>
           </a:stretch>
         </p:blipFill>
         <p:spPr>
           <a:xfrm>
-            <a:off x="7860485" y="1353059"/>
+            <a:off x="7561227" y="1135008"/>
             <a:ext cx="4054558" cy="5403433"/>
           </a:xfrm>
           <a:prstGeom prst="rect">
@@ -29901,7 +30386,7 @@
     </p:spTree>
     <p:extLst>
       <p:ext uri="{BB962C8B-B14F-4D97-AF65-F5344CB8AC3E}">
-        <p14:creationId xmlns:p14="http://schemas.microsoft.com/office/powerpoint/2010/main" val="584610774"/>
+        <p14:creationId xmlns:p14="http://schemas.microsoft.com/office/powerpoint/2010/main" val="1078033641"/>
       </p:ext>
     </p:extLst>
   </p:cSld>
@@ -40270,7 +40755,7 @@
         </p:blipFill>
         <p:spPr>
           <a:xfrm>
-            <a:off x="7885424" y="3858298"/>
+            <a:off x="6712913" y="4603750"/>
             <a:ext cx="2838450" cy="1752600"/>
           </a:xfrm>
           <a:prstGeom prst="rect">
@@ -40300,7 +40785,7 @@
         </p:blipFill>
         <p:spPr>
           <a:xfrm>
-            <a:off x="8020090" y="2484756"/>
+            <a:off x="6712913" y="2834467"/>
             <a:ext cx="2951463" cy="1503471"/>
           </a:xfrm>
           <a:prstGeom prst="rect">
@@ -40330,7 +40815,7 @@
         </p:blipFill>
         <p:spPr>
           <a:xfrm>
-            <a:off x="9332742" y="1580478"/>
+            <a:off x="9293303" y="1302425"/>
             <a:ext cx="2419842" cy="1092013"/>
           </a:xfrm>
           <a:prstGeom prst="rect">
@@ -40538,82 +41023,98 @@
           </a:lstStyle>
           <a:p>
             <a:r>
-              <a:rPr lang="ru-RU"/>
+              <a:rPr lang="ru-RU" dirty="0"/>
               <a:t>Временные ряды</a:t>
             </a:r>
           </a:p>
           <a:p>
             <a:pPr lvl="1"/>
             <a:r>
-              <a:rPr lang="ru-RU"/>
-              <a:t>Индикаторы: трафик, показатели загрузки (ЦПУ, память)</a:t>
+              <a:rPr lang="ru-RU" dirty="0"/>
+              <a:t>Индикаторы: трафик, показатели загрузки (</a:t>
+            </a:r>
+            <a:r>
+              <a:rPr lang="en-US" dirty="0"/>
+              <a:t>CPU</a:t>
+            </a:r>
+            <a:r>
+              <a:rPr lang="ru-RU" dirty="0"/>
+              <a:t>, память)</a:t>
             </a:r>
           </a:p>
           <a:p>
             <a:pPr lvl="1"/>
             <a:r>
-              <a:rPr lang="ru-RU"/>
-              <a:t>Логи: частота появления сообщений</a:t>
+              <a:rPr lang="ru-RU" dirty="0" err="1"/>
+              <a:t>Логи</a:t>
+            </a:r>
+            <a:r>
+              <a:rPr lang="ru-RU" dirty="0"/>
+              <a:t>: частота появления сообщений</a:t>
             </a:r>
           </a:p>
           <a:p>
             <a:pPr lvl="1"/>
             <a:r>
-              <a:rPr lang="ru-RU"/>
+              <a:rPr lang="ru-RU" dirty="0"/>
               <a:t>…</a:t>
             </a:r>
           </a:p>
           <a:p>
             <a:r>
-              <a:rPr lang="ru-RU"/>
+              <a:rPr lang="ru-RU" dirty="0"/>
               <a:t>Текст</a:t>
             </a:r>
           </a:p>
           <a:p>
             <a:pPr lvl="1"/>
             <a:r>
-              <a:rPr lang="ru-RU"/>
-              <a:t>Логи как набор взаимосвязанных событий</a:t>
+              <a:rPr lang="ru-RU" dirty="0" err="1"/>
+              <a:t>Логи</a:t>
+            </a:r>
+            <a:r>
+              <a:rPr lang="ru-RU" dirty="0"/>
+              <a:t> как набор взаимосвязанных событий</a:t>
             </a:r>
           </a:p>
           <a:p>
             <a:pPr lvl="1"/>
             <a:r>
-              <a:rPr lang="ru-RU"/>
+              <a:rPr lang="ru-RU" dirty="0"/>
               <a:t>Текст в виде естественного языка</a:t>
             </a:r>
           </a:p>
           <a:p>
             <a:pPr lvl="1"/>
             <a:r>
-              <a:rPr lang="ru-RU"/>
+              <a:rPr lang="ru-RU" dirty="0"/>
               <a:t>…</a:t>
             </a:r>
           </a:p>
           <a:p>
             <a:r>
-              <a:rPr lang="ru-RU"/>
+              <a:rPr lang="ru-RU" dirty="0"/>
               <a:t>Видео и изображения</a:t>
             </a:r>
           </a:p>
           <a:p>
             <a:pPr lvl="1"/>
             <a:r>
-              <a:rPr lang="ru-RU"/>
+              <a:rPr lang="ru-RU" dirty="0"/>
               <a:t>Поток с видеокамер</a:t>
             </a:r>
           </a:p>
           <a:p>
             <a:pPr lvl="1"/>
             <a:r>
-              <a:rPr lang="ru-RU"/>
+              <a:rPr lang="ru-RU" dirty="0"/>
               <a:t>Анализ скриншотов</a:t>
             </a:r>
           </a:p>
           <a:p>
             <a:pPr lvl="1"/>
             <a:r>
-              <a:rPr lang="ru-RU"/>
+              <a:rPr lang="ru-RU" dirty="0"/>
               <a:t>…</a:t>
             </a:r>
           </a:p>
@@ -40644,8 +41145,8 @@
         </p:blipFill>
         <p:spPr>
           <a:xfrm>
-            <a:off x="10544365" y="3528293"/>
-            <a:ext cx="1148669" cy="1765156"/>
+            <a:off x="9910708" y="3237626"/>
+            <a:ext cx="1802437" cy="2769799"/>
           </a:xfrm>
           <a:prstGeom prst="rect">
             <a:avLst/>
